--- a/ACI_AKS_14-July-2018 (Geek97)- Sunny Sharma.pptx
+++ b/ACI_AKS_14-July-2018 (Geek97)- Sunny Sharma.pptx
@@ -7229,7 +7229,7 @@
                 <a16:creationId xmlns:a16="http://schemas.microsoft.com/office/drawing/2014/main" id="{01D0AF59-99C3-4251-AB9A-C966C6AD4400}"/>
               </a:ext>
               <a:ext uri="{C183D7F6-B498-43B3-948B-1728B52AA6E4}">
-                <adec:decorative xmlns:adec="http://schemas.microsoft.com/office/drawing/2017/decorative" xmlns="" val="1"/>
+                <adec:decorative xmlns="" xmlns:adec="http://schemas.microsoft.com/office/drawing/2017/decorative" val="1"/>
               </a:ext>
             </a:extLst>
           </p:cNvPr>
@@ -7292,7 +7292,7 @@
                 <a16:creationId xmlns:a16="http://schemas.microsoft.com/office/drawing/2014/main" id="{1855405F-37A2-4869-9154-F8BE3BECE6C3}"/>
               </a:ext>
               <a:ext uri="{C183D7F6-B498-43B3-948B-1728B52AA6E4}">
-                <adec:decorative xmlns:adec="http://schemas.microsoft.com/office/drawing/2017/decorative" xmlns="" val="1"/>
+                <adec:decorative xmlns="" xmlns:adec="http://schemas.microsoft.com/office/drawing/2017/decorative" val="1"/>
               </a:ext>
             </a:extLst>
           </p:cNvPr>
@@ -7725,19 +7725,21 @@
                   <a:schemeClr val="bg1"/>
                 </a:solidFill>
               </a:rPr>
-              <a:t>twitter: @sunny_delhi</a:t>
-            </a:r>
-          </a:p>
-          <a:p>
-            <a:pPr lvl="1"/>
-            <a:r>
-              <a:rPr lang="en-IN" sz="3200" dirty="0">
+              <a:t>twitter: @sunny</a:t>
+            </a:r>
+            <a:r>
+              <a:rPr lang="en-IN" sz="3200">
                 <a:solidFill>
                   <a:schemeClr val="bg1"/>
                 </a:solidFill>
               </a:rPr>
-              <a:t>+91-9582207489</a:t>
-            </a:r>
+              <a:t>_delhi</a:t>
+            </a:r>
+            <a:endParaRPr lang="en-IN" sz="3200" dirty="0">
+              <a:solidFill>
+                <a:schemeClr val="bg1"/>
+              </a:solidFill>
+            </a:endParaRPr>
           </a:p>
         </p:txBody>
       </p:sp>
